--- a/Presentacion.pptx
+++ b/Presentacion.pptx
@@ -5,7 +5,7 @@
     <p:sldMasterId id="2147483678" r:id="rId1"/>
   </p:sldMasterIdLst>
   <p:notesMasterIdLst>
-    <p:notesMasterId r:id="rId26"/>
+    <p:notesMasterId r:id="rId29"/>
   </p:notesMasterIdLst>
   <p:sldIdLst>
     <p:sldId id="256" r:id="rId2"/>
@@ -23,15 +23,18 @@
     <p:sldId id="260" r:id="rId14"/>
     <p:sldId id="286" r:id="rId15"/>
     <p:sldId id="261" r:id="rId16"/>
-    <p:sldId id="278" r:id="rId17"/>
-    <p:sldId id="276" r:id="rId18"/>
-    <p:sldId id="279" r:id="rId19"/>
-    <p:sldId id="280" r:id="rId20"/>
-    <p:sldId id="277" r:id="rId21"/>
-    <p:sldId id="281" r:id="rId22"/>
-    <p:sldId id="282" r:id="rId23"/>
-    <p:sldId id="274" r:id="rId24"/>
-    <p:sldId id="275" r:id="rId25"/>
+    <p:sldId id="288" r:id="rId17"/>
+    <p:sldId id="278" r:id="rId18"/>
+    <p:sldId id="276" r:id="rId19"/>
+    <p:sldId id="279" r:id="rId20"/>
+    <p:sldId id="280" r:id="rId21"/>
+    <p:sldId id="277" r:id="rId22"/>
+    <p:sldId id="281" r:id="rId23"/>
+    <p:sldId id="282" r:id="rId24"/>
+    <p:sldId id="287" r:id="rId25"/>
+    <p:sldId id="289" r:id="rId26"/>
+    <p:sldId id="274" r:id="rId27"/>
+    <p:sldId id="275" r:id="rId28"/>
   </p:sldIdLst>
   <p:sldSz cx="12192000" cy="6858000"/>
   <p:notesSz cx="6858000" cy="9144000"/>
@@ -9372,7 +9375,7 @@
               <a:buChar char="•"/>
             </a:pPr>
             <a:r>
-              <a:rPr lang="en-US" dirty="0" err="1">
+              <a:rPr lang="es-ES" dirty="0">
                 <a:solidFill>
                   <a:srgbClr val="FFFFFF"/>
                 </a:solidFill>
@@ -9533,8 +9536,8 @@
         </p:blipFill>
         <p:spPr>
           <a:xfrm>
-            <a:off x="1333330" y="3676605"/>
-            <a:ext cx="4877480" cy="1295580"/>
+            <a:off x="1333329" y="4223360"/>
+            <a:ext cx="5765605" cy="1531488"/>
           </a:xfrm>
           <a:prstGeom prst="rect">
             <a:avLst/>
@@ -9824,6 +9827,18 @@
           <a:p>
             <a:r>
               <a:rPr lang="es-ES" dirty="0"/>
+              <a:t>Definición</a:t>
+            </a:r>
+          </a:p>
+          <a:p>
+            <a:r>
+              <a:rPr lang="es-ES" dirty="0"/>
+              <a:t>¿Cómo podemos aumentarla?</a:t>
+            </a:r>
+          </a:p>
+          <a:p>
+            <a:r>
+              <a:rPr lang="es-ES" dirty="0"/>
               <a:t>Comentarios</a:t>
             </a:r>
           </a:p>
@@ -9831,7 +9846,7 @@
             <a:pPr lvl="1"/>
             <a:r>
               <a:rPr lang="es-ES" dirty="0"/>
-              <a:t>Más extensibles, pero también más personales</a:t>
+              <a:t>Más extensibles, pero también más subjetivos</a:t>
             </a:r>
           </a:p>
           <a:p>
@@ -10124,10 +10139,10 @@
       </p:sp>
       <p:pic>
         <p:nvPicPr>
-          <p:cNvPr id="5" name="Picture 4">
+          <p:cNvPr id="6" name="Picture 5">
             <a:extLst>
               <a:ext uri="{FF2B5EF4-FFF2-40B4-BE49-F238E27FC236}">
-                <a16:creationId xmlns:a16="http://schemas.microsoft.com/office/drawing/2014/main" id="{5CC51B42-CB4D-61DB-9A88-E50B893CDA7E}"/>
+                <a16:creationId xmlns:a16="http://schemas.microsoft.com/office/drawing/2014/main" id="{57841FE0-57A5-B5FD-3832-456175643594}"/>
               </a:ext>
             </a:extLst>
           </p:cNvPr>
@@ -10144,8 +10159,8 @@
         </p:blipFill>
         <p:spPr>
           <a:xfrm>
-            <a:off x="1023229" y="4517700"/>
-            <a:ext cx="10145541" cy="2214872"/>
+            <a:off x="294464" y="4517700"/>
+            <a:ext cx="11603069" cy="2076740"/>
           </a:xfrm>
           <a:prstGeom prst="rect">
             <a:avLst/>
@@ -10205,7 +10220,7 @@
           <a:p>
             <a:r>
               <a:rPr lang="es-ES" dirty="0"/>
-              <a:t>3. Ejemplo</a:t>
+              <a:t>2. Objetivos del proyecto</a:t>
             </a:r>
             <a:endParaRPr lang="en-US" dirty="0"/>
           </a:p>
@@ -10234,21 +10249,13 @@
           <a:p>
             <a:r>
               <a:rPr lang="es-ES" dirty="0"/>
-              <a:t>Posibles casos de uso</a:t>
-            </a:r>
-          </a:p>
-          <a:p>
-            <a:pPr lvl="1"/>
-            <a:r>
-              <a:rPr lang="es-ES" dirty="0"/>
-              <a:t>Código se entrega a un equipo que no ha realizado el desarrollo</a:t>
-            </a:r>
-          </a:p>
-          <a:p>
-            <a:pPr lvl="1"/>
-            <a:r>
-              <a:rPr lang="es-ES" dirty="0"/>
-              <a:t>Cambia parte del personal que mantiene el código</a:t>
+              <a:t>Aumentar la comprensión de código</a:t>
+            </a:r>
+          </a:p>
+          <a:p>
+            <a:r>
+              <a:rPr lang="es-ES" dirty="0"/>
+              <a:t>Mejorar mantenibilidad</a:t>
             </a:r>
           </a:p>
           <a:p>
@@ -10259,7 +10266,7 @@
     </p:spTree>
     <p:extLst>
       <p:ext uri="{BB962C8B-B14F-4D97-AF65-F5344CB8AC3E}">
-        <p14:creationId xmlns:p14="http://schemas.microsoft.com/office/powerpoint/2010/main" val="701818771"/>
+        <p14:creationId xmlns:p14="http://schemas.microsoft.com/office/powerpoint/2010/main" val="389725250"/>
       </p:ext>
     </p:extLst>
   </p:cSld>
@@ -10315,130 +10322,55 @@
           </a:p>
         </p:txBody>
       </p:sp>
-      <p:pic>
-        <p:nvPicPr>
-          <p:cNvPr id="5" name="Picture 4">
+      <p:sp>
+        <p:nvSpPr>
+          <p:cNvPr id="3" name="Content Placeholder 2">
             <a:extLst>
               <a:ext uri="{FF2B5EF4-FFF2-40B4-BE49-F238E27FC236}">
-                <a16:creationId xmlns:a16="http://schemas.microsoft.com/office/drawing/2014/main" id="{4DA6219B-75D7-7279-AAC9-A569CC74A64A}"/>
+                <a16:creationId xmlns:a16="http://schemas.microsoft.com/office/drawing/2014/main" id="{5F16207C-7550-F808-42AA-43A5086DCEB6}"/>
               </a:ext>
             </a:extLst>
           </p:cNvPr>
-          <p:cNvPicPr>
-            <a:picLocks noChangeAspect="1"/>
-          </p:cNvPicPr>
-          <p:nvPr/>
-        </p:nvPicPr>
-        <p:blipFill>
-          <a:blip r:embed="rId2"/>
-          <a:stretch>
-            <a:fillRect/>
-          </a:stretch>
-        </p:blipFill>
-        <p:spPr>
-          <a:xfrm>
-            <a:off x="936203" y="2300791"/>
-            <a:ext cx="3238952" cy="1238422"/>
-          </a:xfrm>
-          <a:prstGeom prst="rect">
-            <a:avLst/>
-          </a:prstGeom>
-        </p:spPr>
-      </p:pic>
-      <p:pic>
-        <p:nvPicPr>
-          <p:cNvPr id="7" name="Picture 6">
-            <a:extLst>
-              <a:ext uri="{FF2B5EF4-FFF2-40B4-BE49-F238E27FC236}">
-                <a16:creationId xmlns:a16="http://schemas.microsoft.com/office/drawing/2014/main" id="{4EE4FA88-B058-C6DB-42BB-2E61CEE19C0F}"/>
-              </a:ext>
-            </a:extLst>
-          </p:cNvPr>
-          <p:cNvPicPr>
-            <a:picLocks noChangeAspect="1"/>
-          </p:cNvPicPr>
-          <p:nvPr/>
-        </p:nvPicPr>
-        <p:blipFill>
-          <a:blip r:embed="rId3"/>
-          <a:stretch>
-            <a:fillRect/>
-          </a:stretch>
-        </p:blipFill>
-        <p:spPr>
-          <a:xfrm>
-            <a:off x="6349739" y="2300791"/>
-            <a:ext cx="4763164" cy="1448002"/>
-          </a:xfrm>
-          <a:prstGeom prst="rect">
-            <a:avLst/>
-          </a:prstGeom>
-        </p:spPr>
-      </p:pic>
-      <p:pic>
-        <p:nvPicPr>
-          <p:cNvPr id="9" name="Picture 8">
-            <a:extLst>
-              <a:ext uri="{FF2B5EF4-FFF2-40B4-BE49-F238E27FC236}">
-                <a16:creationId xmlns:a16="http://schemas.microsoft.com/office/drawing/2014/main" id="{DAD82412-252E-B30B-B218-EA09DB586EB4}"/>
-              </a:ext>
-            </a:extLst>
-          </p:cNvPr>
-          <p:cNvPicPr>
-            <a:picLocks noChangeAspect="1"/>
-          </p:cNvPicPr>
-          <p:nvPr/>
-        </p:nvPicPr>
-        <p:blipFill>
-          <a:blip r:embed="rId4"/>
-          <a:stretch>
-            <a:fillRect/>
-          </a:stretch>
-        </p:blipFill>
-        <p:spPr>
-          <a:xfrm>
-            <a:off x="936203" y="4215418"/>
-            <a:ext cx="4782218" cy="1486108"/>
-          </a:xfrm>
-          <a:prstGeom prst="rect">
-            <a:avLst/>
-          </a:prstGeom>
-        </p:spPr>
-      </p:pic>
-      <p:pic>
-        <p:nvPicPr>
-          <p:cNvPr id="11" name="Picture 10">
-            <a:extLst>
-              <a:ext uri="{FF2B5EF4-FFF2-40B4-BE49-F238E27FC236}">
-                <a16:creationId xmlns:a16="http://schemas.microsoft.com/office/drawing/2014/main" id="{E004A6F2-41B9-A63A-C894-AE626809BFB7}"/>
-              </a:ext>
-            </a:extLst>
-          </p:cNvPr>
-          <p:cNvPicPr>
-            <a:picLocks noChangeAspect="1"/>
-          </p:cNvPicPr>
-          <p:nvPr/>
-        </p:nvPicPr>
-        <p:blipFill>
-          <a:blip r:embed="rId5"/>
-          <a:stretch>
-            <a:fillRect/>
-          </a:stretch>
-        </p:blipFill>
-        <p:spPr>
-          <a:xfrm>
-            <a:off x="6349739" y="4215418"/>
-            <a:ext cx="4515480" cy="1200318"/>
-          </a:xfrm>
-          <a:prstGeom prst="rect">
-            <a:avLst/>
-          </a:prstGeom>
-        </p:spPr>
-      </p:pic>
+          <p:cNvSpPr>
+            <a:spLocks noGrp="1"/>
+          </p:cNvSpPr>
+          <p:nvPr>
+            <p:ph idx="1"/>
+          </p:nvPr>
+        </p:nvSpPr>
+        <p:spPr/>
+        <p:txBody>
+          <a:bodyPr/>
+          <a:lstStyle/>
+          <a:p>
+            <a:r>
+              <a:rPr lang="es-ES" dirty="0"/>
+              <a:t>Posibles casos de uso</a:t>
+            </a:r>
+          </a:p>
+          <a:p>
+            <a:pPr lvl="1"/>
+            <a:r>
+              <a:rPr lang="es-ES" dirty="0"/>
+              <a:t>Código se entrega a un equipo que no ha realizado el desarrollo</a:t>
+            </a:r>
+          </a:p>
+          <a:p>
+            <a:pPr lvl="1"/>
+            <a:r>
+              <a:rPr lang="es-ES" dirty="0"/>
+              <a:t>Cambia parte del personal que mantiene el código</a:t>
+            </a:r>
+          </a:p>
+          <a:p>
+            <a:endParaRPr lang="es-ES" dirty="0"/>
+          </a:p>
+        </p:txBody>
+      </p:sp>
     </p:spTree>
     <p:extLst>
       <p:ext uri="{BB962C8B-B14F-4D97-AF65-F5344CB8AC3E}">
-        <p14:creationId xmlns:p14="http://schemas.microsoft.com/office/powerpoint/2010/main" val="2890233741"/>
+        <p14:creationId xmlns:p14="http://schemas.microsoft.com/office/powerpoint/2010/main" val="701818771"/>
       </p:ext>
     </p:extLst>
   </p:cSld>
@@ -10494,50 +10426,130 @@
           </a:p>
         </p:txBody>
       </p:sp>
-      <p:sp>
-        <p:nvSpPr>
-          <p:cNvPr id="3" name="Content Placeholder 2">
+      <p:pic>
+        <p:nvPicPr>
+          <p:cNvPr id="5" name="Picture 4">
             <a:extLst>
               <a:ext uri="{FF2B5EF4-FFF2-40B4-BE49-F238E27FC236}">
-                <a16:creationId xmlns:a16="http://schemas.microsoft.com/office/drawing/2014/main" id="{5F16207C-7550-F808-42AA-43A5086DCEB6}"/>
+                <a16:creationId xmlns:a16="http://schemas.microsoft.com/office/drawing/2014/main" id="{4DA6219B-75D7-7279-AAC9-A569CC74A64A}"/>
               </a:ext>
             </a:extLst>
           </p:cNvPr>
-          <p:cNvSpPr>
-            <a:spLocks noGrp="1"/>
-          </p:cNvSpPr>
-          <p:nvPr>
-            <p:ph idx="1"/>
-          </p:nvPr>
-        </p:nvSpPr>
-        <p:spPr/>
-        <p:txBody>
-          <a:bodyPr/>
-          <a:lstStyle/>
-          <a:p>
-            <a:r>
-              <a:rPr lang="es-ES" dirty="0"/>
-              <a:t>Las clases están relacionadas, pero ¿cómo exactamente?</a:t>
-            </a:r>
-          </a:p>
-          <a:p>
-            <a:r>
-              <a:rPr lang="es-ES" dirty="0"/>
-              <a:t>Incluso con buenos comentarios, es difícil mantener en mente toda la información según se lee el código, especialmente en proyectos grandes</a:t>
-            </a:r>
-          </a:p>
-          <a:p>
-            <a:r>
-              <a:rPr lang="es-ES" dirty="0"/>
-              <a:t>Se pueden ir añadiendo comentarios o haciendo anotaciones en sistemas externos, pero esto no ayuda a largo plazo. Si luego vuelve a cambiar de manos, esos comentarios y anotaciones no ayudarán.</a:t>
-            </a:r>
-          </a:p>
-        </p:txBody>
-      </p:sp>
+          <p:cNvPicPr>
+            <a:picLocks noChangeAspect="1"/>
+          </p:cNvPicPr>
+          <p:nvPr/>
+        </p:nvPicPr>
+        <p:blipFill>
+          <a:blip r:embed="rId2"/>
+          <a:stretch>
+            <a:fillRect/>
+          </a:stretch>
+        </p:blipFill>
+        <p:spPr>
+          <a:xfrm>
+            <a:off x="936203" y="2300791"/>
+            <a:ext cx="3238952" cy="1238422"/>
+          </a:xfrm>
+          <a:prstGeom prst="rect">
+            <a:avLst/>
+          </a:prstGeom>
+        </p:spPr>
+      </p:pic>
+      <p:pic>
+        <p:nvPicPr>
+          <p:cNvPr id="7" name="Picture 6">
+            <a:extLst>
+              <a:ext uri="{FF2B5EF4-FFF2-40B4-BE49-F238E27FC236}">
+                <a16:creationId xmlns:a16="http://schemas.microsoft.com/office/drawing/2014/main" id="{4EE4FA88-B058-C6DB-42BB-2E61CEE19C0F}"/>
+              </a:ext>
+            </a:extLst>
+          </p:cNvPr>
+          <p:cNvPicPr>
+            <a:picLocks noChangeAspect="1"/>
+          </p:cNvPicPr>
+          <p:nvPr/>
+        </p:nvPicPr>
+        <p:blipFill>
+          <a:blip r:embed="rId3"/>
+          <a:stretch>
+            <a:fillRect/>
+          </a:stretch>
+        </p:blipFill>
+        <p:spPr>
+          <a:xfrm>
+            <a:off x="6349739" y="2300791"/>
+            <a:ext cx="4763164" cy="1448002"/>
+          </a:xfrm>
+          <a:prstGeom prst="rect">
+            <a:avLst/>
+          </a:prstGeom>
+        </p:spPr>
+      </p:pic>
+      <p:pic>
+        <p:nvPicPr>
+          <p:cNvPr id="9" name="Picture 8">
+            <a:extLst>
+              <a:ext uri="{FF2B5EF4-FFF2-40B4-BE49-F238E27FC236}">
+                <a16:creationId xmlns:a16="http://schemas.microsoft.com/office/drawing/2014/main" id="{DAD82412-252E-B30B-B218-EA09DB586EB4}"/>
+              </a:ext>
+            </a:extLst>
+          </p:cNvPr>
+          <p:cNvPicPr>
+            <a:picLocks noChangeAspect="1"/>
+          </p:cNvPicPr>
+          <p:nvPr/>
+        </p:nvPicPr>
+        <p:blipFill>
+          <a:blip r:embed="rId4"/>
+          <a:stretch>
+            <a:fillRect/>
+          </a:stretch>
+        </p:blipFill>
+        <p:spPr>
+          <a:xfrm>
+            <a:off x="936203" y="4215418"/>
+            <a:ext cx="4782218" cy="1486108"/>
+          </a:xfrm>
+          <a:prstGeom prst="rect">
+            <a:avLst/>
+          </a:prstGeom>
+        </p:spPr>
+      </p:pic>
+      <p:pic>
+        <p:nvPicPr>
+          <p:cNvPr id="11" name="Picture 10">
+            <a:extLst>
+              <a:ext uri="{FF2B5EF4-FFF2-40B4-BE49-F238E27FC236}">
+                <a16:creationId xmlns:a16="http://schemas.microsoft.com/office/drawing/2014/main" id="{E004A6F2-41B9-A63A-C894-AE626809BFB7}"/>
+              </a:ext>
+            </a:extLst>
+          </p:cNvPr>
+          <p:cNvPicPr>
+            <a:picLocks noChangeAspect="1"/>
+          </p:cNvPicPr>
+          <p:nvPr/>
+        </p:nvPicPr>
+        <p:blipFill>
+          <a:blip r:embed="rId5"/>
+          <a:stretch>
+            <a:fillRect/>
+          </a:stretch>
+        </p:blipFill>
+        <p:spPr>
+          <a:xfrm>
+            <a:off x="6349739" y="4215418"/>
+            <a:ext cx="4515480" cy="1200318"/>
+          </a:xfrm>
+          <a:prstGeom prst="rect">
+            <a:avLst/>
+          </a:prstGeom>
+        </p:spPr>
+      </p:pic>
     </p:spTree>
     <p:extLst>
       <p:ext uri="{BB962C8B-B14F-4D97-AF65-F5344CB8AC3E}">
-        <p14:creationId xmlns:p14="http://schemas.microsoft.com/office/powerpoint/2010/main" val="2179287199"/>
+        <p14:creationId xmlns:p14="http://schemas.microsoft.com/office/powerpoint/2010/main" val="2890233741"/>
       </p:ext>
     </p:extLst>
   </p:cSld>
@@ -10616,29 +10628,19 @@
           <a:p>
             <a:r>
               <a:rPr lang="es-ES" dirty="0"/>
-              <a:t>Vamos a usar la librería de prueba de </a:t>
-            </a:r>
-            <a:r>
-              <a:rPr lang="es-ES" dirty="0" err="1"/>
-              <a:t>Class</a:t>
-            </a:r>
-            <a:r>
-              <a:rPr lang="es-ES" dirty="0"/>
-              <a:t> </a:t>
-            </a:r>
-            <a:r>
-              <a:rPr lang="es-ES" dirty="0" err="1"/>
-              <a:t>Diagram</a:t>
-            </a:r>
-            <a:r>
-              <a:rPr lang="es-ES" dirty="0"/>
-              <a:t> (CD)</a:t>
-            </a:r>
-          </a:p>
-          <a:p>
-            <a:r>
-              <a:rPr lang="es-ES" dirty="0"/>
-              <a:t>Sintaxis simplificada que intenta asemejarse a los diagramas de clases UML</a:t>
+              <a:t>Las clases están relacionadas, pero ¿cómo exactamente?</a:t>
+            </a:r>
+          </a:p>
+          <a:p>
+            <a:r>
+              <a:rPr lang="es-ES" dirty="0"/>
+              <a:t>Incluso con buenos comentarios, es difícil mantener en mente toda la información según se lee el código, especialmente en proyectos grandes</a:t>
+            </a:r>
+          </a:p>
+          <a:p>
+            <a:r>
+              <a:rPr lang="es-ES" dirty="0"/>
+              <a:t>Se pueden ir añadiendo comentarios o haciendo anotaciones en sistemas externos, pero esto no ayuda a largo plazo. Si luego vuelve a cambiar de manos, esos comentarios y anotaciones no ayudarán.</a:t>
             </a:r>
           </a:p>
         </p:txBody>
@@ -10646,7 +10648,7 @@
     </p:spTree>
     <p:extLst>
       <p:ext uri="{BB962C8B-B14F-4D97-AF65-F5344CB8AC3E}">
-        <p14:creationId xmlns:p14="http://schemas.microsoft.com/office/powerpoint/2010/main" val="3021340752"/>
+        <p14:creationId xmlns:p14="http://schemas.microsoft.com/office/powerpoint/2010/main" val="2179287199"/>
       </p:ext>
     </p:extLst>
   </p:cSld>
@@ -10730,7 +10732,7 @@
               <a:buAutoNum type="arabicPeriod"/>
             </a:pPr>
             <a:r>
-              <a:rPr lang="es-ES"/>
+              <a:rPr lang="es-ES" dirty="0"/>
               <a:t>Introducción</a:t>
             </a:r>
           </a:p>
@@ -10739,7 +10741,7 @@
               <a:buNone/>
             </a:pPr>
             <a:r>
-              <a:rPr lang="es-ES"/>
+              <a:rPr lang="es-ES" dirty="0"/>
               <a:t>1.1  Comentarios</a:t>
             </a:r>
           </a:p>
@@ -10748,7 +10750,7 @@
               <a:buNone/>
             </a:pPr>
             <a:r>
-              <a:rPr lang="es-ES"/>
+              <a:rPr lang="es-ES" dirty="0"/>
               <a:t>1.2  Anotaciones</a:t>
             </a:r>
           </a:p>
@@ -10757,7 +10759,7 @@
               <a:buNone/>
             </a:pPr>
             <a:r>
-              <a:rPr lang="es-ES"/>
+              <a:rPr lang="es-ES" dirty="0"/>
               <a:t>1.3  Mantenimiento</a:t>
             </a:r>
           </a:p>
@@ -10766,7 +10768,7 @@
               <a:buNone/>
             </a:pPr>
             <a:r>
-              <a:rPr lang="es-ES"/>
+              <a:rPr lang="es-ES" dirty="0"/>
               <a:t>1.4  Comprensión de código</a:t>
             </a:r>
           </a:p>
@@ -10776,7 +10778,7 @@
               <a:buAutoNum type="arabicPeriod"/>
             </a:pPr>
             <a:r>
-              <a:rPr lang="es-ES"/>
+              <a:rPr lang="es-ES" dirty="0"/>
               <a:t>Objetivos del proyecto</a:t>
             </a:r>
           </a:p>
@@ -10786,7 +10788,7 @@
               <a:buAutoNum type="arabicPeriod"/>
             </a:pPr>
             <a:r>
-              <a:rPr lang="es-ES"/>
+              <a:rPr lang="es-ES" dirty="0"/>
               <a:t>Ejemplo</a:t>
             </a:r>
           </a:p>
@@ -10795,7 +10797,7 @@
               <a:buNone/>
             </a:pPr>
             <a:r>
-              <a:rPr lang="es-ES"/>
+              <a:rPr lang="es-ES" dirty="0"/>
               <a:t>3.1  Código recibido</a:t>
             </a:r>
           </a:p>
@@ -10804,7 +10806,7 @@
               <a:buNone/>
             </a:pPr>
             <a:r>
-              <a:rPr lang="es-ES"/>
+              <a:rPr lang="es-ES" dirty="0"/>
               <a:t>3.2  Anotaciones</a:t>
             </a:r>
           </a:p>
@@ -10813,7 +10815,7 @@
               <a:buNone/>
             </a:pPr>
             <a:r>
-              <a:rPr lang="es-ES"/>
+              <a:rPr lang="es-ES" dirty="0"/>
               <a:t>3.3  Resultado</a:t>
             </a:r>
           </a:p>
@@ -10823,7 +10825,7 @@
               <a:buAutoNum type="arabicPeriod"/>
             </a:pPr>
             <a:r>
-              <a:rPr lang="es-ES"/>
+              <a:rPr lang="es-ES" dirty="0"/>
               <a:t>Preguntas</a:t>
             </a:r>
           </a:p>
@@ -10833,8 +10835,8 @@
               <a:buAutoNum type="arabicPeriod"/>
             </a:pPr>
             <a:r>
-              <a:rPr lang="es-ES"/>
-              <a:t>Bibliografía</a:t>
+              <a:rPr lang="es-ES" dirty="0"/>
+              <a:t>Bibliografía y enlaces</a:t>
             </a:r>
             <a:endParaRPr lang="en-US" dirty="0"/>
           </a:p>
@@ -10899,130 +10901,60 @@
           </a:p>
         </p:txBody>
       </p:sp>
-      <p:pic>
-        <p:nvPicPr>
-          <p:cNvPr id="4" name="Picture 3">
+      <p:sp>
+        <p:nvSpPr>
+          <p:cNvPr id="3" name="Content Placeholder 2">
             <a:extLst>
               <a:ext uri="{FF2B5EF4-FFF2-40B4-BE49-F238E27FC236}">
-                <a16:creationId xmlns:a16="http://schemas.microsoft.com/office/drawing/2014/main" id="{1CC008DA-F95F-00D9-E0CA-6AD22D808D4E}"/>
+                <a16:creationId xmlns:a16="http://schemas.microsoft.com/office/drawing/2014/main" id="{5F16207C-7550-F808-42AA-43A5086DCEB6}"/>
               </a:ext>
             </a:extLst>
           </p:cNvPr>
-          <p:cNvPicPr>
-            <a:picLocks noChangeAspect="1"/>
-          </p:cNvPicPr>
-          <p:nvPr/>
-        </p:nvPicPr>
-        <p:blipFill>
-          <a:blip r:embed="rId2"/>
-          <a:stretch>
-            <a:fillRect/>
-          </a:stretch>
-        </p:blipFill>
-        <p:spPr>
-          <a:xfrm>
-            <a:off x="516468" y="2211238"/>
-            <a:ext cx="2529240" cy="1600424"/>
-          </a:xfrm>
-          <a:prstGeom prst="rect">
-            <a:avLst/>
-          </a:prstGeom>
-        </p:spPr>
-      </p:pic>
-      <p:pic>
-        <p:nvPicPr>
-          <p:cNvPr id="8" name="Picture 7">
-            <a:extLst>
-              <a:ext uri="{FF2B5EF4-FFF2-40B4-BE49-F238E27FC236}">
-                <a16:creationId xmlns:a16="http://schemas.microsoft.com/office/drawing/2014/main" id="{EE6C4865-F912-932B-6037-2CC19DAD4D40}"/>
-              </a:ext>
-            </a:extLst>
-          </p:cNvPr>
-          <p:cNvPicPr>
-            <a:picLocks noChangeAspect="1"/>
-          </p:cNvPicPr>
-          <p:nvPr/>
-        </p:nvPicPr>
-        <p:blipFill>
-          <a:blip r:embed="rId3"/>
-          <a:stretch>
-            <a:fillRect/>
-          </a:stretch>
-        </p:blipFill>
-        <p:spPr>
-          <a:xfrm>
-            <a:off x="516468" y="4515474"/>
-            <a:ext cx="7587722" cy="2014818"/>
-          </a:xfrm>
-          <a:prstGeom prst="rect">
-            <a:avLst/>
-          </a:prstGeom>
-        </p:spPr>
-      </p:pic>
-      <p:pic>
-        <p:nvPicPr>
-          <p:cNvPr id="12" name="Picture 11">
-            <a:extLst>
-              <a:ext uri="{FF2B5EF4-FFF2-40B4-BE49-F238E27FC236}">
-                <a16:creationId xmlns:a16="http://schemas.microsoft.com/office/drawing/2014/main" id="{4C17C3E9-9146-8188-AFD8-CA651B1447FA}"/>
-              </a:ext>
-            </a:extLst>
-          </p:cNvPr>
-          <p:cNvPicPr>
-            <a:picLocks noChangeAspect="1"/>
-          </p:cNvPicPr>
-          <p:nvPr/>
-        </p:nvPicPr>
-        <p:blipFill>
-          <a:blip r:embed="rId4"/>
-          <a:stretch>
-            <a:fillRect/>
-          </a:stretch>
-        </p:blipFill>
-        <p:spPr>
-          <a:xfrm>
-            <a:off x="4310329" y="2211238"/>
-            <a:ext cx="7430537" cy="2043398"/>
-          </a:xfrm>
-          <a:prstGeom prst="rect">
-            <a:avLst/>
-          </a:prstGeom>
-        </p:spPr>
-      </p:pic>
-      <p:pic>
-        <p:nvPicPr>
-          <p:cNvPr id="14" name="Picture 13">
-            <a:extLst>
-              <a:ext uri="{FF2B5EF4-FFF2-40B4-BE49-F238E27FC236}">
-                <a16:creationId xmlns:a16="http://schemas.microsoft.com/office/drawing/2014/main" id="{837FED9A-8FDF-86A0-9508-B52F35343BB2}"/>
-              </a:ext>
-            </a:extLst>
-          </p:cNvPr>
-          <p:cNvPicPr>
-            <a:picLocks noChangeAspect="1"/>
-          </p:cNvPicPr>
-          <p:nvPr/>
-        </p:nvPicPr>
-        <p:blipFill>
-          <a:blip r:embed="rId5"/>
-          <a:stretch>
-            <a:fillRect/>
-          </a:stretch>
-        </p:blipFill>
-        <p:spPr>
-          <a:xfrm>
-            <a:off x="8382835" y="4515474"/>
-            <a:ext cx="3358031" cy="1643292"/>
-          </a:xfrm>
-          <a:prstGeom prst="rect">
-            <a:avLst/>
-          </a:prstGeom>
-        </p:spPr>
-      </p:pic>
+          <p:cNvSpPr>
+            <a:spLocks noGrp="1"/>
+          </p:cNvSpPr>
+          <p:nvPr>
+            <p:ph idx="1"/>
+          </p:nvPr>
+        </p:nvSpPr>
+        <p:spPr/>
+        <p:txBody>
+          <a:bodyPr/>
+          <a:lstStyle/>
+          <a:p>
+            <a:r>
+              <a:rPr lang="es-ES" dirty="0"/>
+              <a:t>Vamos a usar la librería de prueba de </a:t>
+            </a:r>
+            <a:r>
+              <a:rPr lang="es-ES" dirty="0" err="1"/>
+              <a:t>Class</a:t>
+            </a:r>
+            <a:r>
+              <a:rPr lang="es-ES" dirty="0"/>
+              <a:t> </a:t>
+            </a:r>
+            <a:r>
+              <a:rPr lang="es-ES" dirty="0" err="1"/>
+              <a:t>Diagram</a:t>
+            </a:r>
+            <a:r>
+              <a:rPr lang="es-ES" dirty="0"/>
+              <a:t> (CD)</a:t>
+            </a:r>
+          </a:p>
+          <a:p>
+            <a:r>
+              <a:rPr lang="es-ES" dirty="0"/>
+              <a:t>Sintaxis simplificada que intenta asemejarse a los diagramas de clases UML</a:t>
+            </a:r>
+          </a:p>
+        </p:txBody>
+      </p:sp>
     </p:spTree>
     <p:extLst>
       <p:ext uri="{BB962C8B-B14F-4D97-AF65-F5344CB8AC3E}">
-        <p14:creationId xmlns:p14="http://schemas.microsoft.com/office/powerpoint/2010/main" val="736482358"/>
+        <p14:creationId xmlns:p14="http://schemas.microsoft.com/office/powerpoint/2010/main" val="3021340752"/>
       </p:ext>
     </p:extLst>
   </p:cSld>
@@ -11078,50 +11010,130 @@
           </a:p>
         </p:txBody>
       </p:sp>
-      <p:sp>
-        <p:nvSpPr>
-          <p:cNvPr id="3" name="Content Placeholder 2">
+      <p:pic>
+        <p:nvPicPr>
+          <p:cNvPr id="4" name="Picture 3">
             <a:extLst>
               <a:ext uri="{FF2B5EF4-FFF2-40B4-BE49-F238E27FC236}">
-                <a16:creationId xmlns:a16="http://schemas.microsoft.com/office/drawing/2014/main" id="{5F16207C-7550-F808-42AA-43A5086DCEB6}"/>
+                <a16:creationId xmlns:a16="http://schemas.microsoft.com/office/drawing/2014/main" id="{1CC008DA-F95F-00D9-E0CA-6AD22D808D4E}"/>
               </a:ext>
             </a:extLst>
           </p:cNvPr>
-          <p:cNvSpPr>
-            <a:spLocks noGrp="1"/>
-          </p:cNvSpPr>
-          <p:nvPr>
-            <p:ph idx="1"/>
-          </p:nvPr>
-        </p:nvSpPr>
-        <p:spPr/>
-        <p:txBody>
-          <a:bodyPr/>
-          <a:lstStyle/>
-          <a:p>
-            <a:r>
-              <a:rPr lang="es-ES" dirty="0"/>
-              <a:t>Se pueden ir añadiendo las anotaciones según se va analizando cada archivo</a:t>
-            </a:r>
-          </a:p>
-          <a:p>
-            <a:r>
-              <a:rPr lang="es-ES" dirty="0"/>
-              <a:t>Una vez anotadas, la generación del diagrama es instantánea</a:t>
-            </a:r>
-          </a:p>
-          <a:p>
-            <a:r>
-              <a:rPr lang="es-ES" dirty="0"/>
-              <a:t>Incluso puede verse la construcción del diagrama en tiempo real según se añaden anotaciones</a:t>
-            </a:r>
-          </a:p>
-        </p:txBody>
-      </p:sp>
+          <p:cNvPicPr>
+            <a:picLocks noChangeAspect="1"/>
+          </p:cNvPicPr>
+          <p:nvPr/>
+        </p:nvPicPr>
+        <p:blipFill>
+          <a:blip r:embed="rId2"/>
+          <a:stretch>
+            <a:fillRect/>
+          </a:stretch>
+        </p:blipFill>
+        <p:spPr>
+          <a:xfrm>
+            <a:off x="516468" y="2211238"/>
+            <a:ext cx="2529240" cy="1600424"/>
+          </a:xfrm>
+          <a:prstGeom prst="rect">
+            <a:avLst/>
+          </a:prstGeom>
+        </p:spPr>
+      </p:pic>
+      <p:pic>
+        <p:nvPicPr>
+          <p:cNvPr id="8" name="Picture 7">
+            <a:extLst>
+              <a:ext uri="{FF2B5EF4-FFF2-40B4-BE49-F238E27FC236}">
+                <a16:creationId xmlns:a16="http://schemas.microsoft.com/office/drawing/2014/main" id="{EE6C4865-F912-932B-6037-2CC19DAD4D40}"/>
+              </a:ext>
+            </a:extLst>
+          </p:cNvPr>
+          <p:cNvPicPr>
+            <a:picLocks noChangeAspect="1"/>
+          </p:cNvPicPr>
+          <p:nvPr/>
+        </p:nvPicPr>
+        <p:blipFill>
+          <a:blip r:embed="rId3"/>
+          <a:stretch>
+            <a:fillRect/>
+          </a:stretch>
+        </p:blipFill>
+        <p:spPr>
+          <a:xfrm>
+            <a:off x="516468" y="4515474"/>
+            <a:ext cx="7587722" cy="2014818"/>
+          </a:xfrm>
+          <a:prstGeom prst="rect">
+            <a:avLst/>
+          </a:prstGeom>
+        </p:spPr>
+      </p:pic>
+      <p:pic>
+        <p:nvPicPr>
+          <p:cNvPr id="12" name="Picture 11">
+            <a:extLst>
+              <a:ext uri="{FF2B5EF4-FFF2-40B4-BE49-F238E27FC236}">
+                <a16:creationId xmlns:a16="http://schemas.microsoft.com/office/drawing/2014/main" id="{4C17C3E9-9146-8188-AFD8-CA651B1447FA}"/>
+              </a:ext>
+            </a:extLst>
+          </p:cNvPr>
+          <p:cNvPicPr>
+            <a:picLocks noChangeAspect="1"/>
+          </p:cNvPicPr>
+          <p:nvPr/>
+        </p:nvPicPr>
+        <p:blipFill>
+          <a:blip r:embed="rId4"/>
+          <a:stretch>
+            <a:fillRect/>
+          </a:stretch>
+        </p:blipFill>
+        <p:spPr>
+          <a:xfrm>
+            <a:off x="4310329" y="2211238"/>
+            <a:ext cx="7430537" cy="2043398"/>
+          </a:xfrm>
+          <a:prstGeom prst="rect">
+            <a:avLst/>
+          </a:prstGeom>
+        </p:spPr>
+      </p:pic>
+      <p:pic>
+        <p:nvPicPr>
+          <p:cNvPr id="14" name="Picture 13">
+            <a:extLst>
+              <a:ext uri="{FF2B5EF4-FFF2-40B4-BE49-F238E27FC236}">
+                <a16:creationId xmlns:a16="http://schemas.microsoft.com/office/drawing/2014/main" id="{837FED9A-8FDF-86A0-9508-B52F35343BB2}"/>
+              </a:ext>
+            </a:extLst>
+          </p:cNvPr>
+          <p:cNvPicPr>
+            <a:picLocks noChangeAspect="1"/>
+          </p:cNvPicPr>
+          <p:nvPr/>
+        </p:nvPicPr>
+        <p:blipFill>
+          <a:blip r:embed="rId5"/>
+          <a:stretch>
+            <a:fillRect/>
+          </a:stretch>
+        </p:blipFill>
+        <p:spPr>
+          <a:xfrm>
+            <a:off x="8382835" y="4515474"/>
+            <a:ext cx="3358031" cy="1643292"/>
+          </a:xfrm>
+          <a:prstGeom prst="rect">
+            <a:avLst/>
+          </a:prstGeom>
+        </p:spPr>
+      </p:pic>
     </p:spTree>
     <p:extLst>
       <p:ext uri="{BB962C8B-B14F-4D97-AF65-F5344CB8AC3E}">
-        <p14:creationId xmlns:p14="http://schemas.microsoft.com/office/powerpoint/2010/main" val="2396175212"/>
+        <p14:creationId xmlns:p14="http://schemas.microsoft.com/office/powerpoint/2010/main" val="736482358"/>
       </p:ext>
     </p:extLst>
   </p:cSld>
@@ -11177,39 +11189,50 @@
           </a:p>
         </p:txBody>
       </p:sp>
-      <p:pic>
-        <p:nvPicPr>
-          <p:cNvPr id="7" name="Content Placeholder 6">
+      <p:sp>
+        <p:nvSpPr>
+          <p:cNvPr id="3" name="Content Placeholder 2">
             <a:extLst>
               <a:ext uri="{FF2B5EF4-FFF2-40B4-BE49-F238E27FC236}">
-                <a16:creationId xmlns:a16="http://schemas.microsoft.com/office/drawing/2014/main" id="{CF20AF2D-2421-E177-D759-7976A18CF5C0}"/>
+                <a16:creationId xmlns:a16="http://schemas.microsoft.com/office/drawing/2014/main" id="{5F16207C-7550-F808-42AA-43A5086DCEB6}"/>
               </a:ext>
             </a:extLst>
           </p:cNvPr>
-          <p:cNvPicPr>
-            <a:picLocks noGrp="1" noChangeAspect="1"/>
-          </p:cNvPicPr>
+          <p:cNvSpPr>
+            <a:spLocks noGrp="1"/>
+          </p:cNvSpPr>
           <p:nvPr>
             <p:ph idx="1"/>
           </p:nvPr>
-        </p:nvPicPr>
-        <p:blipFill>
-          <a:blip r:embed="rId2"/>
-          <a:stretch>
-            <a:fillRect/>
-          </a:stretch>
-        </p:blipFill>
-        <p:spPr>
-          <a:xfrm>
-            <a:off x="3786698" y="2466875"/>
-            <a:ext cx="4618604" cy="3770805"/>
-          </a:xfrm>
-        </p:spPr>
-      </p:pic>
+        </p:nvSpPr>
+        <p:spPr/>
+        <p:txBody>
+          <a:bodyPr/>
+          <a:lstStyle/>
+          <a:p>
+            <a:r>
+              <a:rPr lang="es-ES" dirty="0"/>
+              <a:t>Se pueden ir añadiendo las anotaciones según se va analizando cada archivo</a:t>
+            </a:r>
+          </a:p>
+          <a:p>
+            <a:r>
+              <a:rPr lang="es-ES" dirty="0"/>
+              <a:t>Una vez anotadas, la generación del diagrama es instantánea</a:t>
+            </a:r>
+          </a:p>
+          <a:p>
+            <a:r>
+              <a:rPr lang="es-ES" dirty="0"/>
+              <a:t>Incluso puede verse la construcción del diagrama en tiempo real según se añaden anotaciones</a:t>
+            </a:r>
+          </a:p>
+        </p:txBody>
+      </p:sp>
     </p:spTree>
     <p:extLst>
       <p:ext uri="{BB962C8B-B14F-4D97-AF65-F5344CB8AC3E}">
-        <p14:creationId xmlns:p14="http://schemas.microsoft.com/office/powerpoint/2010/main" val="1295654526"/>
+        <p14:creationId xmlns:p14="http://schemas.microsoft.com/office/powerpoint/2010/main" val="2396175212"/>
       </p:ext>
     </p:extLst>
   </p:cSld>
@@ -11259,16 +11282,45 @@
           <a:p>
             <a:r>
               <a:rPr lang="es-ES" dirty="0"/>
-              <a:t>4. Preguntas</a:t>
+              <a:t>3. Ejemplo</a:t>
             </a:r>
             <a:endParaRPr lang="en-US" dirty="0"/>
           </a:p>
         </p:txBody>
       </p:sp>
+      <p:pic>
+        <p:nvPicPr>
+          <p:cNvPr id="7" name="Content Placeholder 6">
+            <a:extLst>
+              <a:ext uri="{FF2B5EF4-FFF2-40B4-BE49-F238E27FC236}">
+                <a16:creationId xmlns:a16="http://schemas.microsoft.com/office/drawing/2014/main" id="{CF20AF2D-2421-E177-D759-7976A18CF5C0}"/>
+              </a:ext>
+            </a:extLst>
+          </p:cNvPr>
+          <p:cNvPicPr>
+            <a:picLocks noGrp="1" noChangeAspect="1"/>
+          </p:cNvPicPr>
+          <p:nvPr>
+            <p:ph idx="1"/>
+          </p:nvPr>
+        </p:nvPicPr>
+        <p:blipFill>
+          <a:blip r:embed="rId2"/>
+          <a:stretch>
+            <a:fillRect/>
+          </a:stretch>
+        </p:blipFill>
+        <p:spPr>
+          <a:xfrm>
+            <a:off x="3786698" y="2466875"/>
+            <a:ext cx="4618604" cy="3770805"/>
+          </a:xfrm>
+        </p:spPr>
+      </p:pic>
     </p:spTree>
     <p:extLst>
       <p:ext uri="{BB962C8B-B14F-4D97-AF65-F5344CB8AC3E}">
-        <p14:creationId xmlns:p14="http://schemas.microsoft.com/office/powerpoint/2010/main" val="1189763454"/>
+        <p14:creationId xmlns:p14="http://schemas.microsoft.com/office/powerpoint/2010/main" val="1295654526"/>
       </p:ext>
     </p:extLst>
   </p:cSld>
@@ -11318,7 +11370,244 @@
           <a:p>
             <a:r>
               <a:rPr lang="es-ES" dirty="0"/>
-              <a:t>5. Bibliografía</a:t>
+              <a:t>3. Ejemplo</a:t>
+            </a:r>
+            <a:endParaRPr lang="en-US" dirty="0"/>
+          </a:p>
+        </p:txBody>
+      </p:sp>
+      <p:pic>
+        <p:nvPicPr>
+          <p:cNvPr id="9" name="Picture 8">
+            <a:extLst>
+              <a:ext uri="{FF2B5EF4-FFF2-40B4-BE49-F238E27FC236}">
+                <a16:creationId xmlns:a16="http://schemas.microsoft.com/office/drawing/2014/main" id="{1D370623-AA12-08D9-BD2A-E84A26ABB5BB}"/>
+              </a:ext>
+            </a:extLst>
+          </p:cNvPr>
+          <p:cNvPicPr>
+            <a:picLocks noChangeAspect="1"/>
+          </p:cNvPicPr>
+          <p:nvPr/>
+        </p:nvPicPr>
+        <p:blipFill>
+          <a:blip r:embed="rId2"/>
+          <a:stretch>
+            <a:fillRect/>
+          </a:stretch>
+        </p:blipFill>
+        <p:spPr>
+          <a:xfrm>
+            <a:off x="2088298" y="2045361"/>
+            <a:ext cx="8015404" cy="4737995"/>
+          </a:xfrm>
+          <a:prstGeom prst="rect">
+            <a:avLst/>
+          </a:prstGeom>
+        </p:spPr>
+      </p:pic>
+    </p:spTree>
+    <p:extLst>
+      <p:ext uri="{BB962C8B-B14F-4D97-AF65-F5344CB8AC3E}">
+        <p14:creationId xmlns:p14="http://schemas.microsoft.com/office/powerpoint/2010/main" val="2352272721"/>
+      </p:ext>
+    </p:extLst>
+  </p:cSld>
+  <p:clrMapOvr>
+    <a:masterClrMapping/>
+  </p:clrMapOvr>
+</p:sld>
+</file>
+
+<file path=ppt/slides/slide25.xml><?xml version="1.0" encoding="utf-8"?>
+<p:sld xmlns:a="http://schemas.openxmlformats.org/drawingml/2006/main" xmlns:r="http://schemas.openxmlformats.org/officeDocument/2006/relationships" xmlns:p="http://schemas.openxmlformats.org/presentationml/2006/main">
+  <p:cSld>
+    <p:spTree>
+      <p:nvGrpSpPr>
+        <p:cNvPr id="1" name=""/>
+        <p:cNvGrpSpPr/>
+        <p:nvPr/>
+      </p:nvGrpSpPr>
+      <p:grpSpPr>
+        <a:xfrm>
+          <a:off x="0" y="0"/>
+          <a:ext cx="0" cy="0"/>
+          <a:chOff x="0" y="0"/>
+          <a:chExt cx="0" cy="0"/>
+        </a:xfrm>
+      </p:grpSpPr>
+      <p:sp>
+        <p:nvSpPr>
+          <p:cNvPr id="2" name="Title 1">
+            <a:extLst>
+              <a:ext uri="{FF2B5EF4-FFF2-40B4-BE49-F238E27FC236}">
+                <a16:creationId xmlns:a16="http://schemas.microsoft.com/office/drawing/2014/main" id="{05B9C6B7-349F-1F42-5100-869E28063B75}"/>
+              </a:ext>
+            </a:extLst>
+          </p:cNvPr>
+          <p:cNvSpPr>
+            <a:spLocks noGrp="1"/>
+          </p:cNvSpPr>
+          <p:nvPr>
+            <p:ph type="title"/>
+          </p:nvPr>
+        </p:nvSpPr>
+        <p:spPr/>
+        <p:txBody>
+          <a:bodyPr/>
+          <a:lstStyle/>
+          <a:p>
+            <a:r>
+              <a:rPr lang="es-ES" dirty="0"/>
+              <a:t>3. Ejemplo</a:t>
+            </a:r>
+            <a:endParaRPr lang="en-US" dirty="0"/>
+          </a:p>
+        </p:txBody>
+      </p:sp>
+      <p:pic>
+        <p:nvPicPr>
+          <p:cNvPr id="4" name="Picture 3">
+            <a:extLst>
+              <a:ext uri="{FF2B5EF4-FFF2-40B4-BE49-F238E27FC236}">
+                <a16:creationId xmlns:a16="http://schemas.microsoft.com/office/drawing/2014/main" id="{D6CBB8BC-A18F-0EF9-DD15-14E7AECAAACA}"/>
+              </a:ext>
+            </a:extLst>
+          </p:cNvPr>
+          <p:cNvPicPr>
+            <a:picLocks noChangeAspect="1"/>
+          </p:cNvPicPr>
+          <p:nvPr/>
+        </p:nvPicPr>
+        <p:blipFill>
+          <a:blip r:embed="rId2"/>
+          <a:stretch>
+            <a:fillRect/>
+          </a:stretch>
+        </p:blipFill>
+        <p:spPr>
+          <a:xfrm>
+            <a:off x="2141751" y="2048349"/>
+            <a:ext cx="7908497" cy="4737996"/>
+          </a:xfrm>
+          <a:prstGeom prst="rect">
+            <a:avLst/>
+          </a:prstGeom>
+        </p:spPr>
+      </p:pic>
+    </p:spTree>
+    <p:extLst>
+      <p:ext uri="{BB962C8B-B14F-4D97-AF65-F5344CB8AC3E}">
+        <p14:creationId xmlns:p14="http://schemas.microsoft.com/office/powerpoint/2010/main" val="3864239935"/>
+      </p:ext>
+    </p:extLst>
+  </p:cSld>
+  <p:clrMapOvr>
+    <a:masterClrMapping/>
+  </p:clrMapOvr>
+</p:sld>
+</file>
+
+<file path=ppt/slides/slide26.xml><?xml version="1.0" encoding="utf-8"?>
+<p:sld xmlns:a="http://schemas.openxmlformats.org/drawingml/2006/main" xmlns:r="http://schemas.openxmlformats.org/officeDocument/2006/relationships" xmlns:p="http://schemas.openxmlformats.org/presentationml/2006/main">
+  <p:cSld>
+    <p:spTree>
+      <p:nvGrpSpPr>
+        <p:cNvPr id="1" name=""/>
+        <p:cNvGrpSpPr/>
+        <p:nvPr/>
+      </p:nvGrpSpPr>
+      <p:grpSpPr>
+        <a:xfrm>
+          <a:off x="0" y="0"/>
+          <a:ext cx="0" cy="0"/>
+          <a:chOff x="0" y="0"/>
+          <a:chExt cx="0" cy="0"/>
+        </a:xfrm>
+      </p:grpSpPr>
+      <p:sp>
+        <p:nvSpPr>
+          <p:cNvPr id="2" name="Title 1">
+            <a:extLst>
+              <a:ext uri="{FF2B5EF4-FFF2-40B4-BE49-F238E27FC236}">
+                <a16:creationId xmlns:a16="http://schemas.microsoft.com/office/drawing/2014/main" id="{05B9C6B7-349F-1F42-5100-869E28063B75}"/>
+              </a:ext>
+            </a:extLst>
+          </p:cNvPr>
+          <p:cNvSpPr>
+            <a:spLocks noGrp="1"/>
+          </p:cNvSpPr>
+          <p:nvPr>
+            <p:ph type="title"/>
+          </p:nvPr>
+        </p:nvSpPr>
+        <p:spPr/>
+        <p:txBody>
+          <a:bodyPr/>
+          <a:lstStyle/>
+          <a:p>
+            <a:r>
+              <a:rPr lang="es-ES" dirty="0"/>
+              <a:t>4. Preguntas</a:t>
+            </a:r>
+            <a:endParaRPr lang="en-US" dirty="0"/>
+          </a:p>
+        </p:txBody>
+      </p:sp>
+    </p:spTree>
+    <p:extLst>
+      <p:ext uri="{BB962C8B-B14F-4D97-AF65-F5344CB8AC3E}">
+        <p14:creationId xmlns:p14="http://schemas.microsoft.com/office/powerpoint/2010/main" val="1189763454"/>
+      </p:ext>
+    </p:extLst>
+  </p:cSld>
+  <p:clrMapOvr>
+    <a:masterClrMapping/>
+  </p:clrMapOvr>
+</p:sld>
+</file>
+
+<file path=ppt/slides/slide27.xml><?xml version="1.0" encoding="utf-8"?>
+<p:sld xmlns:a="http://schemas.openxmlformats.org/drawingml/2006/main" xmlns:r="http://schemas.openxmlformats.org/officeDocument/2006/relationships" xmlns:p="http://schemas.openxmlformats.org/presentationml/2006/main">
+  <p:cSld>
+    <p:spTree>
+      <p:nvGrpSpPr>
+        <p:cNvPr id="1" name=""/>
+        <p:cNvGrpSpPr/>
+        <p:nvPr/>
+      </p:nvGrpSpPr>
+      <p:grpSpPr>
+        <a:xfrm>
+          <a:off x="0" y="0"/>
+          <a:ext cx="0" cy="0"/>
+          <a:chOff x="0" y="0"/>
+          <a:chExt cx="0" cy="0"/>
+        </a:xfrm>
+      </p:grpSpPr>
+      <p:sp>
+        <p:nvSpPr>
+          <p:cNvPr id="2" name="Title 1">
+            <a:extLst>
+              <a:ext uri="{FF2B5EF4-FFF2-40B4-BE49-F238E27FC236}">
+                <a16:creationId xmlns:a16="http://schemas.microsoft.com/office/drawing/2014/main" id="{05B9C6B7-349F-1F42-5100-869E28063B75}"/>
+              </a:ext>
+            </a:extLst>
+          </p:cNvPr>
+          <p:cNvSpPr>
+            <a:spLocks noGrp="1"/>
+          </p:cNvSpPr>
+          <p:nvPr>
+            <p:ph type="title"/>
+          </p:nvPr>
+        </p:nvSpPr>
+        <p:spPr/>
+        <p:txBody>
+          <a:bodyPr/>
+          <a:lstStyle/>
+          <a:p>
+            <a:r>
+              <a:rPr lang="es-ES" dirty="0"/>
+              <a:t>5. Bibliografía y enlaces</a:t>
             </a:r>
             <a:endParaRPr lang="en-US" dirty="0"/>
           </a:p>
@@ -11346,8 +11635,14 @@
           <a:lstStyle/>
           <a:p>
             <a:r>
-              <a:rPr lang="es-ES" dirty="0"/>
-              <a:t>[1] </a:t>
+              <a:rPr lang="es-ES" dirty="0">
+                <a:hlinkClick r:id="rId2"/>
+              </a:rPr>
+              <a:t>[1]</a:t>
+            </a:r>
+            <a:r>
+              <a:rPr lang="es-ES" dirty="0"/>
+              <a:t> </a:t>
             </a:r>
             <a:r>
               <a:rPr lang="en-US" dirty="0"/>
@@ -11356,9 +11651,31 @@
           </a:p>
           <a:p>
             <a:r>
-              <a:rPr lang="es-ES" dirty="0"/>
-              <a:t>Enlace a GitHub del proyecto: GitHub</a:t>
-            </a:r>
+              <a:rPr lang="en-US" dirty="0">
+                <a:hlinkClick r:id="rId3"/>
+              </a:rPr>
+              <a:t>Manual </a:t>
+            </a:r>
+            <a:r>
+              <a:rPr lang="en-US" dirty="0" err="1">
+                <a:hlinkClick r:id="rId3"/>
+              </a:rPr>
+              <a:t>Doxygen</a:t>
+            </a:r>
+            <a:endParaRPr lang="en-US" dirty="0"/>
+          </a:p>
+          <a:p>
+            <a:r>
+              <a:rPr lang="es-ES" dirty="0"/>
+              <a:t>Enlace a GitHub del proyecto: </a:t>
+            </a:r>
+            <a:r>
+              <a:rPr lang="es-ES" dirty="0">
+                <a:hlinkClick r:id="rId4"/>
+              </a:rPr>
+              <a:t>GitHub</a:t>
+            </a:r>
+            <a:endParaRPr lang="es-ES" dirty="0"/>
           </a:p>
         </p:txBody>
       </p:sp>
@@ -11449,7 +11766,7 @@
               <a:buAutoNum type="arabicPeriod"/>
             </a:pPr>
             <a:r>
-              <a:rPr lang="es-ES">
+              <a:rPr lang="es-ES" dirty="0">
                 <a:solidFill>
                   <a:srgbClr val="FF0000"/>
                 </a:solidFill>
@@ -11462,7 +11779,7 @@
               <a:buNone/>
             </a:pPr>
             <a:r>
-              <a:rPr lang="es-ES"/>
+              <a:rPr lang="es-ES" dirty="0"/>
               <a:t>1.1  Comentarios</a:t>
             </a:r>
           </a:p>
@@ -11471,7 +11788,7 @@
               <a:buNone/>
             </a:pPr>
             <a:r>
-              <a:rPr lang="es-ES"/>
+              <a:rPr lang="es-ES" dirty="0"/>
               <a:t>1.2  Anotaciones</a:t>
             </a:r>
           </a:p>
@@ -11480,7 +11797,7 @@
               <a:buNone/>
             </a:pPr>
             <a:r>
-              <a:rPr lang="es-ES"/>
+              <a:rPr lang="es-ES" dirty="0"/>
               <a:t>1.3  Mantenimiento</a:t>
             </a:r>
           </a:p>
@@ -11489,7 +11806,7 @@
               <a:buNone/>
             </a:pPr>
             <a:r>
-              <a:rPr lang="es-ES"/>
+              <a:rPr lang="es-ES" dirty="0"/>
               <a:t>1.4  Comprensión de código</a:t>
             </a:r>
           </a:p>
@@ -11499,7 +11816,7 @@
               <a:buAutoNum type="arabicPeriod"/>
             </a:pPr>
             <a:r>
-              <a:rPr lang="es-ES"/>
+              <a:rPr lang="es-ES" dirty="0"/>
               <a:t>Objetivos del proyecto</a:t>
             </a:r>
           </a:p>
@@ -11509,7 +11826,7 @@
               <a:buAutoNum type="arabicPeriod"/>
             </a:pPr>
             <a:r>
-              <a:rPr lang="es-ES"/>
+              <a:rPr lang="es-ES" dirty="0"/>
               <a:t>Ejemplo</a:t>
             </a:r>
           </a:p>
@@ -11518,7 +11835,7 @@
               <a:buNone/>
             </a:pPr>
             <a:r>
-              <a:rPr lang="es-ES"/>
+              <a:rPr lang="es-ES" dirty="0"/>
               <a:t>3.1  Código recibido</a:t>
             </a:r>
           </a:p>
@@ -11527,7 +11844,7 @@
               <a:buNone/>
             </a:pPr>
             <a:r>
-              <a:rPr lang="es-ES"/>
+              <a:rPr lang="es-ES" dirty="0"/>
               <a:t>3.2  Anotaciones</a:t>
             </a:r>
           </a:p>
@@ -11536,7 +11853,7 @@
               <a:buNone/>
             </a:pPr>
             <a:r>
-              <a:rPr lang="es-ES"/>
+              <a:rPr lang="es-ES" dirty="0"/>
               <a:t>3.3  Resultado</a:t>
             </a:r>
           </a:p>
@@ -11546,7 +11863,7 @@
               <a:buAutoNum type="arabicPeriod"/>
             </a:pPr>
             <a:r>
-              <a:rPr lang="es-ES"/>
+              <a:rPr lang="es-ES" dirty="0"/>
               <a:t>Preguntas</a:t>
             </a:r>
           </a:p>
@@ -11556,8 +11873,8 @@
               <a:buAutoNum type="arabicPeriod"/>
             </a:pPr>
             <a:r>
-              <a:rPr lang="es-ES"/>
-              <a:t>Bibliografía</a:t>
+              <a:rPr lang="es-ES" dirty="0"/>
+              <a:t>Bibliografía y enlaces</a:t>
             </a:r>
             <a:endParaRPr lang="en-US" dirty="0"/>
           </a:p>
@@ -11758,7 +12075,7 @@
             </a:pPr>
             <a:r>
               <a:rPr lang="es-ES" dirty="0"/>
-              <a:t>Bibliografía</a:t>
+              <a:t>Bibliografía y enlaces</a:t>
             </a:r>
             <a:endParaRPr lang="en-US" dirty="0"/>
           </a:p>
@@ -11959,7 +12276,7 @@
             </a:pPr>
             <a:r>
               <a:rPr lang="es-ES" dirty="0"/>
-              <a:t>Bibliografía</a:t>
+              <a:t>Bibliografía y enlaces</a:t>
             </a:r>
             <a:endParaRPr lang="en-US" dirty="0"/>
           </a:p>
@@ -12160,7 +12477,7 @@
             </a:pPr>
             <a:r>
               <a:rPr lang="es-ES" dirty="0"/>
-              <a:t>Bibliografía</a:t>
+              <a:t>Bibliografía y enlaces</a:t>
             </a:r>
             <a:endParaRPr lang="en-US" dirty="0"/>
           </a:p>
@@ -12361,7 +12678,7 @@
                   <a:srgbClr val="FF0000"/>
                 </a:solidFill>
               </a:rPr>
-              <a:t>Bibliografía</a:t>
+              <a:t>Bibliografía y enlaces</a:t>
             </a:r>
             <a:endParaRPr lang="en-US" dirty="0">
               <a:solidFill>
@@ -12618,8 +12935,8 @@
         </p:blipFill>
         <p:spPr>
           <a:xfrm>
-            <a:off x="4960629" y="3330622"/>
-            <a:ext cx="4782217" cy="2905530"/>
+            <a:off x="4969018" y="3247478"/>
+            <a:ext cx="5701778" cy="3464227"/>
           </a:xfrm>
           <a:prstGeom prst="rect">
             <a:avLst/>
